--- a/documentation/vcm-060315.pptx
+++ b/documentation/vcm-060315.pptx
@@ -152,6 +152,22 @@
       </a:defRPr>
     </a:lvl9pPr>
   </p:defaultTextStyle>
+  <p:extLst>
+    <p:ext uri="{EFAFB233-063F-42B5-8137-9DF3F51BA10A}">
+      <p15:sldGuideLst xmlns:p15="http://schemas.microsoft.com/office/powerpoint/2012/main">
+        <p15:guide id="1" orient="horz" pos="2160">
+          <p15:clr>
+            <a:srgbClr val="A4A3A4"/>
+          </p15:clr>
+        </p15:guide>
+        <p15:guide id="2" pos="2880">
+          <p15:clr>
+            <a:srgbClr val="A4A3A4"/>
+          </p15:clr>
+        </p15:guide>
+      </p15:sldGuideLst>
+    </p:ext>
+  </p:extLst>
 </p:presentation>
 </file>
 
@@ -266,7 +282,7 @@
               <a:pPr>
                 <a:defRPr/>
               </a:pPr>
-              <a:t>6/3/15</a:t>
+              <a:t>8/12/16</a:t>
             </a:fld>
             <a:endParaRPr lang="en-US"/>
           </a:p>
@@ -631,15 +647,15 @@
             <a:tailEnd/>
           </a:ln>
           <a:extLst>
-            <a:ext uri="{909E8E84-426E-40dd-AFC4-6F175D3DCCD1}">
-              <a14:hiddenFill xmlns:a14="http://schemas.microsoft.com/office/drawing/2010/main">
-                <a:solidFill>
-                  <a:srgbClr val="FFFFFF"/>
-                </a:solidFill>
-              </a14:hiddenFill>
-            </a:ext>
             <a:ext uri="{FAA26D3D-D897-4be2-8F04-BA451C77F1D7}">
               <ma14:placeholderFlag xmlns:ma14="http://schemas.microsoft.com/office/mac/drawingml/2011/main" val="1"/>
+            </a:ext>
+            <a:ext uri="{909E8E84-426E-40dd-AFC4-6F175D3DCCD1}">
+              <a14:hiddenFill xmlns:a14="http://schemas.microsoft.com/office/drawing/2010/main" xmlns="">
+                <a:solidFill>
+                  <a:srgbClr val="FFFFFF"/>
+                </a:solidFill>
+              </a14:hiddenFill>
             </a:ext>
           </a:extLst>
         </p:spPr>
@@ -658,14 +674,14 @@
           <a:noFill/>
           <a:extLst>
             <a:ext uri="{909E8E84-426E-40dd-AFC4-6F175D3DCCD1}">
-              <a14:hiddenFill xmlns:a14="http://schemas.microsoft.com/office/drawing/2010/main">
+              <a14:hiddenFill xmlns:a14="http://schemas.microsoft.com/office/drawing/2010/main" xmlns="">
                 <a:solidFill>
                   <a:srgbClr val="FFFFFF"/>
                 </a:solidFill>
               </a14:hiddenFill>
             </a:ext>
             <a:ext uri="{91240B29-F687-4f45-9708-019B960494DF}">
-              <a14:hiddenLine xmlns:a14="http://schemas.microsoft.com/office/drawing/2010/main" w="9525">
+              <a14:hiddenLine xmlns:a14="http://schemas.microsoft.com/office/drawing/2010/main" xmlns="" w="9525">
                 <a:solidFill>
                   <a:srgbClr val="000000"/>
                 </a:solidFill>
@@ -709,14 +725,14 @@
           <a:noFill/>
           <a:extLst>
             <a:ext uri="{909E8E84-426E-40dd-AFC4-6F175D3DCCD1}">
-              <a14:hiddenFill xmlns:a14="http://schemas.microsoft.com/office/drawing/2010/main">
+              <a14:hiddenFill xmlns:a14="http://schemas.microsoft.com/office/drawing/2010/main" xmlns="">
                 <a:solidFill>
                   <a:srgbClr val="FFFFFF"/>
                 </a:solidFill>
               </a14:hiddenFill>
             </a:ext>
             <a:ext uri="{91240B29-F687-4f45-9708-019B960494DF}">
-              <a14:hiddenLine xmlns:a14="http://schemas.microsoft.com/office/drawing/2010/main" w="9525">
+              <a14:hiddenLine xmlns:a14="http://schemas.microsoft.com/office/drawing/2010/main" xmlns="" w="9525">
                 <a:solidFill>
                   <a:srgbClr val="000000"/>
                 </a:solidFill>
@@ -867,6 +883,11 @@
         </p:txBody>
       </p:sp>
     </p:spTree>
+    <p:extLst>
+      <p:ext uri="{BB962C8B-B14F-4D97-AF65-F5344CB8AC3E}">
+        <p14:creationId xmlns:p14="http://schemas.microsoft.com/office/powerpoint/2010/main" val="1885257327"/>
+      </p:ext>
+    </p:extLst>
   </p:cSld>
   <p:clrMapOvr>
     <a:masterClrMapping/>
@@ -956,6 +977,11 @@
         </p:txBody>
       </p:sp>
     </p:spTree>
+    <p:extLst>
+      <p:ext uri="{BB962C8B-B14F-4D97-AF65-F5344CB8AC3E}">
+        <p14:creationId xmlns:p14="http://schemas.microsoft.com/office/powerpoint/2010/main" val="1546167051"/>
+      </p:ext>
+    </p:extLst>
   </p:cSld>
   <p:clrMapOvr>
     <a:masterClrMapping/>
@@ -1095,16 +1121,16 @@
             <a:tailEnd/>
           </a:ln>
           <a:extLst>
-            <a:ext uri="{909E8E84-426E-40dd-AFC4-6F175D3DCCD1}">
-              <a14:hiddenFill xmlns:a14="http://schemas.microsoft.com/office/drawing/2010/main">
-                <a:solidFill>
-                  <a:srgbClr val="FFFFFF"/>
-                </a:solidFill>
-              </a14:hiddenFill>
-            </a:ext>
             <a:ext uri="{FAA26D3D-D897-4be2-8F04-BA451C77F1D7}">
               <ma14:placeholderFlag xmlns:ma14="http://schemas.microsoft.com/office/mac/drawingml/2011/main" val="1"/>
             </a:ext>
+            <a:ext uri="{909E8E84-426E-40dd-AFC4-6F175D3DCCD1}">
+              <a14:hiddenFill xmlns:a14="http://schemas.microsoft.com/office/drawing/2010/main" xmlns="">
+                <a:solidFill>
+                  <a:srgbClr val="FFFFFF"/>
+                </a:solidFill>
+              </a14:hiddenFill>
+            </a:ext>
           </a:extLst>
         </p:spPr>
       </p:sp>
@@ -1121,15 +1147,18 @@
         <p:spPr bwMode="auto">
           <a:noFill/>
           <a:extLst>
+            <a:ext uri="{FAA26D3D-D897-4be2-8F04-BA451C77F1D7}">
+              <ma14:placeholderFlag xmlns:ma14="http://schemas.microsoft.com/office/mac/drawingml/2011/main" val="1"/>
+            </a:ext>
             <a:ext uri="{909E8E84-426E-40dd-AFC4-6F175D3DCCD1}">
-              <a14:hiddenFill xmlns:a14="http://schemas.microsoft.com/office/drawing/2010/main">
+              <a14:hiddenFill xmlns:a14="http://schemas.microsoft.com/office/drawing/2010/main" xmlns="">
                 <a:solidFill>
                   <a:srgbClr val="FFFFFF"/>
                 </a:solidFill>
               </a14:hiddenFill>
             </a:ext>
             <a:ext uri="{91240B29-F687-4f45-9708-019B960494DF}">
-              <a14:hiddenLine xmlns:a14="http://schemas.microsoft.com/office/drawing/2010/main" w="9525">
+              <a14:hiddenLine xmlns:a14="http://schemas.microsoft.com/office/drawing/2010/main" xmlns="" w="9525">
                 <a:solidFill>
                   <a:srgbClr val="000000"/>
                 </a:solidFill>
@@ -1137,9 +1166,6 @@
                 <a:headEnd/>
                 <a:tailEnd/>
               </a14:hiddenLine>
-            </a:ext>
-            <a:ext uri="{FAA26D3D-D897-4be2-8F04-BA451C77F1D7}">
-              <ma14:placeholderFlag xmlns:ma14="http://schemas.microsoft.com/office/mac/drawingml/2011/main" val="1"/>
             </a:ext>
           </a:extLst>
         </p:spPr>
@@ -1187,6 +1213,11 @@
         </p:txBody>
       </p:sp>
     </p:spTree>
+    <p:extLst>
+      <p:ext uri="{BB962C8B-B14F-4D97-AF65-F5344CB8AC3E}">
+        <p14:creationId xmlns:p14="http://schemas.microsoft.com/office/powerpoint/2010/main" val="2122534428"/>
+      </p:ext>
+    </p:extLst>
   </p:cSld>
   <p:clrMapOvr>
     <a:masterClrMapping/>
@@ -1385,7 +1416,7 @@
               <a:pPr>
                 <a:defRPr/>
               </a:pPr>
-              <a:t>6/3/15</a:t>
+              <a:t>8/12/16</a:t>
             </a:fld>
             <a:endParaRPr lang="en-US"/>
           </a:p>
@@ -1582,7 +1613,7 @@
               <a:pPr>
                 <a:defRPr/>
               </a:pPr>
-              <a:t>6/3/15</a:t>
+              <a:t>8/12/16</a:t>
             </a:fld>
             <a:endParaRPr lang="en-US"/>
           </a:p>
@@ -1789,7 +1820,7 @@
               <a:pPr>
                 <a:defRPr/>
               </a:pPr>
-              <a:t>6/3/15</a:t>
+              <a:t>8/12/16</a:t>
             </a:fld>
             <a:endParaRPr lang="en-US"/>
           </a:p>
@@ -1986,7 +2017,7 @@
               <a:pPr>
                 <a:defRPr/>
               </a:pPr>
-              <a:t>6/3/15</a:t>
+              <a:t>8/12/16</a:t>
             </a:fld>
             <a:endParaRPr lang="en-US"/>
           </a:p>
@@ -2259,7 +2290,7 @@
               <a:pPr>
                 <a:defRPr/>
               </a:pPr>
-              <a:t>6/3/15</a:t>
+              <a:t>8/12/16</a:t>
             </a:fld>
             <a:endParaRPr lang="en-US"/>
           </a:p>
@@ -2574,7 +2605,7 @@
               <a:pPr>
                 <a:defRPr/>
               </a:pPr>
-              <a:t>6/3/15</a:t>
+              <a:t>8/12/16</a:t>
             </a:fld>
             <a:endParaRPr lang="en-US"/>
           </a:p>
@@ -3023,7 +3054,7 @@
               <a:pPr>
                 <a:defRPr/>
               </a:pPr>
-              <a:t>6/3/15</a:t>
+              <a:t>8/12/16</a:t>
             </a:fld>
             <a:endParaRPr lang="en-US"/>
           </a:p>
@@ -3168,7 +3199,7 @@
               <a:pPr>
                 <a:defRPr/>
               </a:pPr>
-              <a:t>6/3/15</a:t>
+              <a:t>8/12/16</a:t>
             </a:fld>
             <a:endParaRPr lang="en-US"/>
           </a:p>
@@ -3290,7 +3321,7 @@
               <a:pPr>
                 <a:defRPr/>
               </a:pPr>
-              <a:t>6/3/15</a:t>
+              <a:t>8/12/16</a:t>
             </a:fld>
             <a:endParaRPr lang="en-US"/>
           </a:p>
@@ -3594,7 +3625,7 @@
               <a:pPr>
                 <a:defRPr/>
               </a:pPr>
-              <a:t>6/3/15</a:t>
+              <a:t>8/12/16</a:t>
             </a:fld>
             <a:endParaRPr lang="en-US"/>
           </a:p>
@@ -3877,7 +3908,7 @@
               <a:pPr>
                 <a:defRPr/>
               </a:pPr>
-              <a:t>6/3/15</a:t>
+              <a:t>8/12/16</a:t>
             </a:fld>
             <a:endParaRPr lang="en-US"/>
           </a:p>
@@ -4018,15 +4049,18 @@
             <a:noFill/>
           </a:ln>
           <a:extLst>
+            <a:ext uri="{FAA26D3D-D897-4be2-8F04-BA451C77F1D7}">
+              <ma14:placeholderFlag xmlns:ma14="http://schemas.microsoft.com/office/mac/drawingml/2011/main" val="1"/>
+            </a:ext>
             <a:ext uri="{909E8E84-426E-40dd-AFC4-6F175D3DCCD1}">
-              <a14:hiddenFill xmlns:a14="http://schemas.microsoft.com/office/drawing/2010/main">
+              <a14:hiddenFill xmlns:a14="http://schemas.microsoft.com/office/drawing/2010/main" xmlns="">
                 <a:solidFill>
                   <a:srgbClr val="FFFFFF"/>
                 </a:solidFill>
               </a14:hiddenFill>
             </a:ext>
             <a:ext uri="{91240B29-F687-4f45-9708-019B960494DF}">
-              <a14:hiddenLine xmlns:a14="http://schemas.microsoft.com/office/drawing/2010/main" w="9525">
+              <a14:hiddenLine xmlns:a14="http://schemas.microsoft.com/office/drawing/2010/main" xmlns="" w="9525">
                 <a:solidFill>
                   <a:srgbClr val="000000"/>
                 </a:solidFill>
@@ -4034,9 +4068,6 @@
                 <a:headEnd/>
                 <a:tailEnd/>
               </a14:hiddenLine>
-            </a:ext>
-            <a:ext uri="{FAA26D3D-D897-4be2-8F04-BA451C77F1D7}">
-              <ma14:placeholderFlag xmlns:ma14="http://schemas.microsoft.com/office/mac/drawingml/2011/main" val="1"/>
             </a:ext>
           </a:extLst>
         </p:spPr>
@@ -4079,15 +4110,18 @@
             <a:noFill/>
           </a:ln>
           <a:extLst>
+            <a:ext uri="{FAA26D3D-D897-4be2-8F04-BA451C77F1D7}">
+              <ma14:placeholderFlag xmlns:ma14="http://schemas.microsoft.com/office/mac/drawingml/2011/main" val="1"/>
+            </a:ext>
             <a:ext uri="{909E8E84-426E-40dd-AFC4-6F175D3DCCD1}">
-              <a14:hiddenFill xmlns:a14="http://schemas.microsoft.com/office/drawing/2010/main">
+              <a14:hiddenFill xmlns:a14="http://schemas.microsoft.com/office/drawing/2010/main" xmlns="">
                 <a:solidFill>
                   <a:srgbClr val="FFFFFF"/>
                 </a:solidFill>
               </a14:hiddenFill>
             </a:ext>
             <a:ext uri="{91240B29-F687-4f45-9708-019B960494DF}">
-              <a14:hiddenLine xmlns:a14="http://schemas.microsoft.com/office/drawing/2010/main" w="9525">
+              <a14:hiddenLine xmlns:a14="http://schemas.microsoft.com/office/drawing/2010/main" xmlns="" w="9525">
                 <a:solidFill>
                   <a:srgbClr val="000000"/>
                 </a:solidFill>
@@ -4095,9 +4129,6 @@
                 <a:headEnd/>
                 <a:tailEnd/>
               </a14:hiddenLine>
-            </a:ext>
-            <a:ext uri="{FAA26D3D-D897-4be2-8F04-BA451C77F1D7}">
-              <ma14:placeholderFlag xmlns:ma14="http://schemas.microsoft.com/office/mac/drawingml/2011/main" val="1"/>
             </a:ext>
           </a:extLst>
         </p:spPr>
@@ -4195,7 +4226,7 @@
               <a:pPr>
                 <a:defRPr/>
               </a:pPr>
-              <a:t>6/3/15</a:t>
+              <a:t>8/12/16</a:t>
             </a:fld>
             <a:endParaRPr lang="en-US"/>
           </a:p>
@@ -4772,14 +4803,14 @@
           </a:ln>
           <a:extLst>
             <a:ext uri="{909E8E84-426E-40dd-AFC4-6F175D3DCCD1}">
-              <a14:hiddenFill xmlns:a14="http://schemas.microsoft.com/office/drawing/2010/main">
+              <a14:hiddenFill xmlns:a14="http://schemas.microsoft.com/office/drawing/2010/main" xmlns="">
                 <a:solidFill>
                   <a:srgbClr val="FFFFFF"/>
                 </a:solidFill>
               </a14:hiddenFill>
             </a:ext>
             <a:ext uri="{91240B29-F687-4f45-9708-019B960494DF}">
-              <a14:hiddenLine xmlns:a14="http://schemas.microsoft.com/office/drawing/2010/main" w="9525">
+              <a14:hiddenLine xmlns:a14="http://schemas.microsoft.com/office/drawing/2010/main" xmlns="" w="9525">
                 <a:solidFill>
                   <a:srgbClr val="000000"/>
                 </a:solidFill>
@@ -4941,14 +4972,14 @@
           </a:ln>
           <a:extLst>
             <a:ext uri="{909E8E84-426E-40dd-AFC4-6F175D3DCCD1}">
-              <a14:hiddenFill xmlns:a14="http://schemas.microsoft.com/office/drawing/2010/main">
+              <a14:hiddenFill xmlns:a14="http://schemas.microsoft.com/office/drawing/2010/main" xmlns="">
                 <a:solidFill>
                   <a:srgbClr val="FFFFFF"/>
                 </a:solidFill>
               </a14:hiddenFill>
             </a:ext>
             <a:ext uri="{91240B29-F687-4f45-9708-019B960494DF}">
-              <a14:hiddenLine xmlns:a14="http://schemas.microsoft.com/office/drawing/2010/main" w="9525">
+              <a14:hiddenLine xmlns:a14="http://schemas.microsoft.com/office/drawing/2010/main" xmlns="" w="9525">
                 <a:solidFill>
                   <a:srgbClr val="000000"/>
                 </a:solidFill>
@@ -4968,7 +4999,7 @@
   <p:timing>
     <p:tnLst>
       <p:par>
-        <p:cTn xmlns:p14="http://schemas.microsoft.com/office/powerpoint/2010/main" id="1" dur="indefinite" restart="never" nodeType="tmRoot"/>
+        <p:cTn id="1" dur="indefinite" restart="never" nodeType="tmRoot"/>
       </p:par>
     </p:tnLst>
   </p:timing>
@@ -5808,14 +5839,14 @@
           </a:ln>
           <a:extLst>
             <a:ext uri="{909E8E84-426E-40dd-AFC4-6F175D3DCCD1}">
-              <a14:hiddenFill xmlns:a14="http://schemas.microsoft.com/office/drawing/2010/main">
+              <a14:hiddenFill xmlns:a14="http://schemas.microsoft.com/office/drawing/2010/main" xmlns="">
                 <a:solidFill>
                   <a:srgbClr val="FFFFFF"/>
                 </a:solidFill>
               </a14:hiddenFill>
             </a:ext>
             <a:ext uri="{91240B29-F687-4f45-9708-019B960494DF}">
-              <a14:hiddenLine xmlns:a14="http://schemas.microsoft.com/office/drawing/2010/main" w="9525">
+              <a14:hiddenLine xmlns:a14="http://schemas.microsoft.com/office/drawing/2010/main" xmlns="" w="9525">
                 <a:solidFill>
                   <a:srgbClr val="000000"/>
                 </a:solidFill>
@@ -5984,7 +6015,7 @@
   <p:timing>
     <p:tnLst>
       <p:par>
-        <p:cTn xmlns:p14="http://schemas.microsoft.com/office/powerpoint/2010/main" id="1" dur="indefinite" restart="never" nodeType="tmRoot">
+        <p:cTn id="1" dur="indefinite" restart="never" nodeType="tmRoot">
           <p:childTnLst>
             <p:seq concurrent="1" nextAc="seek">
               <p:cTn id="2" dur="indefinite" nodeType="mainSeq">
@@ -6392,14 +6423,14 @@
           <a:effectLst/>
           <a:extLst>
             <a:ext uri="{909E8E84-426E-40dd-AFC4-6F175D3DCCD1}">
-              <a14:hiddenFill xmlns:a14="http://schemas.microsoft.com/office/drawing/2010/main">
+              <a14:hiddenFill xmlns:a14="http://schemas.microsoft.com/office/drawing/2010/main" xmlns="">
                 <a:solidFill>
                   <a:schemeClr val="accent1"/>
                 </a:solidFill>
               </a14:hiddenFill>
             </a:ext>
             <a:ext uri="{91240B29-F687-4f45-9708-019B960494DF}">
-              <a14:hiddenLine xmlns:a14="http://schemas.microsoft.com/office/drawing/2010/main" w="9525">
+              <a14:hiddenLine xmlns:a14="http://schemas.microsoft.com/office/drawing/2010/main" xmlns="" w="9525">
                 <a:solidFill>
                   <a:schemeClr val="tx1"/>
                 </a:solidFill>
@@ -6409,7 +6440,7 @@
               </a14:hiddenLine>
             </a:ext>
             <a:ext uri="{AF507438-7753-43e0-B8FC-AC1667EBCBE1}">
-              <a14:hiddenEffects xmlns:a14="http://schemas.microsoft.com/office/drawing/2010/main">
+              <a14:hiddenEffects xmlns:a14="http://schemas.microsoft.com/office/drawing/2010/main" xmlns="">
                 <a:effectLst>
                   <a:outerShdw blurRad="63500" dist="38099" dir="2700000" algn="ctr" rotWithShape="0">
                     <a:schemeClr val="bg2">
@@ -6463,14 +6494,14 @@
           <a:effectLst/>
           <a:extLst>
             <a:ext uri="{909E8E84-426E-40dd-AFC4-6F175D3DCCD1}">
-              <a14:hiddenFill xmlns:a14="http://schemas.microsoft.com/office/drawing/2010/main">
+              <a14:hiddenFill xmlns:a14="http://schemas.microsoft.com/office/drawing/2010/main" xmlns="">
                 <a:solidFill>
                   <a:schemeClr val="accent1"/>
                 </a:solidFill>
               </a14:hiddenFill>
             </a:ext>
             <a:ext uri="{91240B29-F687-4f45-9708-019B960494DF}">
-              <a14:hiddenLine xmlns:a14="http://schemas.microsoft.com/office/drawing/2010/main" w="9525">
+              <a14:hiddenLine xmlns:a14="http://schemas.microsoft.com/office/drawing/2010/main" xmlns="" w="9525">
                 <a:solidFill>
                   <a:schemeClr val="tx1"/>
                 </a:solidFill>
@@ -6480,7 +6511,7 @@
               </a14:hiddenLine>
             </a:ext>
             <a:ext uri="{AF507438-7753-43e0-B8FC-AC1667EBCBE1}">
-              <a14:hiddenEffects xmlns:a14="http://schemas.microsoft.com/office/drawing/2010/main">
+              <a14:hiddenEffects xmlns:a14="http://schemas.microsoft.com/office/drawing/2010/main" xmlns="">
                 <a:effectLst>
                   <a:outerShdw blurRad="63500" dist="38099" dir="2700000" algn="ctr" rotWithShape="0">
                     <a:schemeClr val="bg2">
@@ -6780,7 +6811,7 @@
   <p:timing>
     <p:tnLst>
       <p:par>
-        <p:cTn xmlns:p14="http://schemas.microsoft.com/office/powerpoint/2010/main" id="1" dur="indefinite" restart="never" nodeType="tmRoot"/>
+        <p:cTn id="1" dur="indefinite" restart="never" nodeType="tmRoot"/>
       </p:par>
     </p:tnLst>
   </p:timing>
@@ -6944,7 +6975,7 @@
   <p:timing>
     <p:tnLst>
       <p:par>
-        <p:cTn xmlns:p14="http://schemas.microsoft.com/office/powerpoint/2010/main" id="1" dur="indefinite" restart="never" nodeType="tmRoot"/>
+        <p:cTn id="1" dur="indefinite" restart="never" nodeType="tmRoot"/>
       </p:par>
     </p:tnLst>
   </p:timing>
@@ -9579,11 +9610,11 @@
   <p:clrMapOvr>
     <a:masterClrMapping/>
   </p:clrMapOvr>
-  <p:transition xmlns:p14="http://schemas.microsoft.com/office/powerpoint/2010/main" spd="slow"/>
+  <p:transition spd="slow"/>
   <p:timing>
     <p:tnLst>
       <p:par>
-        <p:cTn xmlns:p14="http://schemas.microsoft.com/office/powerpoint/2010/main" id="1" dur="indefinite" restart="never" nodeType="tmRoot"/>
+        <p:cTn id="1" dur="indefinite" restart="never" nodeType="tmRoot"/>
       </p:par>
     </p:tnLst>
   </p:timing>
@@ -9719,15 +9750,18 @@
             <a:noFill/>
           </a:ln>
           <a:extLst>
+            <a:ext uri="{FAA26D3D-D897-4be2-8F04-BA451C77F1D7}">
+              <ma14:placeholderFlag xmlns:ma14="http://schemas.microsoft.com/office/mac/drawingml/2011/main" val="1"/>
+            </a:ext>
             <a:ext uri="{909E8E84-426E-40dd-AFC4-6F175D3DCCD1}">
-              <a14:hiddenFill xmlns:a14="http://schemas.microsoft.com/office/drawing/2010/main">
+              <a14:hiddenFill xmlns:a14="http://schemas.microsoft.com/office/drawing/2010/main" xmlns="">
                 <a:solidFill>
                   <a:srgbClr val="FFFFFF"/>
                 </a:solidFill>
               </a14:hiddenFill>
             </a:ext>
             <a:ext uri="{91240B29-F687-4f45-9708-019B960494DF}">
-              <a14:hiddenLine xmlns:a14="http://schemas.microsoft.com/office/drawing/2010/main" w="9525">
+              <a14:hiddenLine xmlns:a14="http://schemas.microsoft.com/office/drawing/2010/main" xmlns="" w="9525">
                 <a:solidFill>
                   <a:srgbClr val="000000"/>
                 </a:solidFill>
@@ -9735,9 +9769,6 @@
                 <a:headEnd/>
                 <a:tailEnd/>
               </a14:hiddenLine>
-            </a:ext>
-            <a:ext uri="{FAA26D3D-D897-4be2-8F04-BA451C77F1D7}">
-              <ma14:placeholderFlag xmlns:ma14="http://schemas.microsoft.com/office/mac/drawingml/2011/main" val="1"/>
             </a:ext>
           </a:extLst>
         </p:spPr>
@@ -9954,7 +9985,6 @@
               <a:rPr lang="en-US" sz="2000" dirty="0" smtClean="0"/>
               <a:t>Metadata separate</a:t>
             </a:r>
-            <a:endParaRPr lang="en-US" sz="2000" dirty="0" smtClean="0"/>
           </a:p>
         </p:txBody>
       </p:sp>
@@ -9979,15 +10009,18 @@
             <a:noFill/>
           </a:ln>
           <a:extLst>
+            <a:ext uri="{FAA26D3D-D897-4be2-8F04-BA451C77F1D7}">
+              <ma14:placeholderFlag xmlns:ma14="http://schemas.microsoft.com/office/mac/drawingml/2011/main" val="1"/>
+            </a:ext>
             <a:ext uri="{909E8E84-426E-40dd-AFC4-6F175D3DCCD1}">
-              <a14:hiddenFill xmlns:a14="http://schemas.microsoft.com/office/drawing/2010/main">
+              <a14:hiddenFill xmlns:a14="http://schemas.microsoft.com/office/drawing/2010/main" xmlns="">
                 <a:solidFill>
                   <a:srgbClr val="FFFFFF"/>
                 </a:solidFill>
               </a14:hiddenFill>
             </a:ext>
             <a:ext uri="{91240B29-F687-4f45-9708-019B960494DF}">
-              <a14:hiddenLine xmlns:a14="http://schemas.microsoft.com/office/drawing/2010/main" w="9525">
+              <a14:hiddenLine xmlns:a14="http://schemas.microsoft.com/office/drawing/2010/main" xmlns="" w="9525">
                 <a:solidFill>
                   <a:srgbClr val="000000"/>
                 </a:solidFill>
@@ -9995,9 +10028,6 @@
                 <a:headEnd/>
                 <a:tailEnd/>
               </a14:hiddenLine>
-            </a:ext>
-            <a:ext uri="{FAA26D3D-D897-4be2-8F04-BA451C77F1D7}">
-              <ma14:placeholderFlag xmlns:ma14="http://schemas.microsoft.com/office/mac/drawingml/2011/main" val="1"/>
             </a:ext>
           </a:extLst>
         </p:spPr>
@@ -10206,7 +10236,6 @@
               <a:rPr lang="en-US" sz="2000" dirty="0" smtClean="0"/>
               <a:t>Metadata bundled</a:t>
             </a:r>
-            <a:endParaRPr lang="en-US" sz="2000" dirty="0" smtClean="0"/>
           </a:p>
         </p:txBody>
       </p:sp>
